--- a/преза.pptx
+++ b/преза.pptx
@@ -24,6 +24,15 @@
   </p:sldIdLst>
   <p:sldSz cx="9144000" cy="5143500" type="screen16x9"/>
   <p:notesSz cx="6858000" cy="9144000"/>
+  <p:embeddedFontLst>
+    <p:embeddedFont>
+      <p:font typeface="Calibri" panose="020F0502020204030204" pitchFamily="34" charset="0"/>
+      <p:regular r:id="rId16"/>
+      <p:bold r:id="rId17"/>
+      <p:italic r:id="rId18"/>
+      <p:boldItalic r:id="rId19"/>
+    </p:embeddedFont>
+  </p:embeddedFontLst>
   <p:defaultTextStyle>
     <a:defPPr>
       <a:defRPr lang="ru-RU"/>
@@ -1511,7 +1520,75 @@
                 <a:ea typeface="Stem Text Bold" pitchFamily="34" charset="-52"/>
                 <a:cs typeface="Arial" panose="020B0604020202020204" pitchFamily="34" charset="0"/>
               </a:rPr>
-              <a:t>Разработка и исследование унифицированного представления для дискретно-непрерывных моделей</a:t>
+              <a:t>Разработка и исследование унифицированного </a:t>
+            </a:r>
+            <a:r>
+              <a:rPr kumimoji="0" lang="ru-RU" sz="3300" b="1" i="0" u="none" strike="noStrike" kern="1200" cap="none" spc="0" normalizeH="0" baseline="0" noProof="0" dirty="0" smtClean="0">
+                <a:ln>
+                  <a:noFill/>
+                </a:ln>
+                <a:solidFill>
+                  <a:schemeClr val="bg1"/>
+                </a:solidFill>
+                <a:effectLst/>
+                <a:uLnTx/>
+                <a:uFillTx/>
+                <a:latin typeface="Arial" panose="020B0604020202020204" pitchFamily="34" charset="0"/>
+                <a:ea typeface="Stem Text Bold" pitchFamily="34" charset="-52"/>
+                <a:cs typeface="Arial" panose="020B0604020202020204" pitchFamily="34" charset="0"/>
+              </a:rPr>
+              <a:t>представления</a:t>
+            </a:r>
+            <a:r>
+              <a:rPr kumimoji="0" lang="en-US" sz="3300" b="1" i="0" u="none" strike="noStrike" kern="1200" cap="none" spc="0" normalizeH="0" noProof="0" smtClean="0">
+                <a:ln>
+                  <a:noFill/>
+                </a:ln>
+                <a:solidFill>
+                  <a:schemeClr val="bg1"/>
+                </a:solidFill>
+                <a:effectLst/>
+                <a:uLnTx/>
+                <a:uFillTx/>
+                <a:latin typeface="Arial" panose="020B0604020202020204" pitchFamily="34" charset="0"/>
+                <a:ea typeface="Stem Text Bold" pitchFamily="34" charset="-52"/>
+                <a:cs typeface="Arial" panose="020B0604020202020204" pitchFamily="34" charset="0"/>
+              </a:rPr>
+              <a:t> </a:t>
+            </a:r>
+            <a:r>
+              <a:rPr kumimoji="0" lang="ru-RU" sz="3300" b="1" i="0" u="none" strike="noStrike" kern="1200" cap="none" spc="0" normalizeH="0" baseline="0" noProof="0" smtClean="0">
+                <a:ln>
+                  <a:noFill/>
+                </a:ln>
+                <a:solidFill>
+                  <a:schemeClr val="bg1"/>
+                </a:solidFill>
+                <a:effectLst/>
+                <a:uLnTx/>
+                <a:uFillTx/>
+                <a:latin typeface="Arial" panose="020B0604020202020204" pitchFamily="34" charset="0"/>
+                <a:ea typeface="Stem Text Bold" pitchFamily="34" charset="-52"/>
+                <a:cs typeface="Arial" panose="020B0604020202020204" pitchFamily="34" charset="0"/>
+              </a:rPr>
+              <a:t>дискретно-непрерывных </a:t>
+            </a:r>
+            <a:r>
+              <a:rPr kumimoji="0" lang="ru-RU" sz="3300" b="1" i="0" u="none" strike="noStrike" kern="1200" cap="none" spc="0" normalizeH="0" baseline="0" noProof="0" dirty="0">
+                <a:ln>
+                  <a:noFill/>
+                </a:ln>
+                <a:solidFill>
+                  <a:schemeClr val="bg1"/>
+                </a:solidFill>
+                <a:effectLst/>
+                <a:uLnTx/>
+                <a:uFillTx/>
+                <a:latin typeface="Arial" panose="020B0604020202020204" pitchFamily="34" charset="0"/>
+                <a:ea typeface="Stem Text Bold" pitchFamily="34" charset="-52"/>
+                <a:cs typeface="Arial" panose="020B0604020202020204" pitchFamily="34" charset="0"/>
+              </a:rPr>
+              <a:t>моделей</a:t>
             </a:r>
             <a:endParaRPr lang="en-US" sz="3300" b="1" baseline="0" dirty="0">
               <a:solidFill>
@@ -1918,6 +1995,13 @@
   <p:clrMapOvr>
     <a:masterClrMapping/>
   </p:clrMapOvr>
+  <p:timing>
+    <p:tnLst>
+      <p:par>
+        <p:cTn id="1" dur="indefinite" restart="never" nodeType="tmRoot"/>
+      </p:par>
+    </p:tnLst>
+  </p:timing>
 </p:sld>
 </file>
 
@@ -3177,6 +3261,13 @@
   <p:clrMapOvr>
     <a:masterClrMapping/>
   </p:clrMapOvr>
+  <p:timing>
+    <p:tnLst>
+      <p:par>
+        <p:cTn id="1" dur="indefinite" restart="never" nodeType="tmRoot"/>
+      </p:par>
+    </p:tnLst>
+  </p:timing>
 </p:sld>
 </file>
 
